--- a/AD-allocs.pptx
+++ b/AD-allocs.pptx
@@ -104,19 +104,40 @@
       </a:defRPr>
     </a:lvl9pPr>
   </p:defaultTextStyle>
+  <p:extLst>
+    <p:ext uri="{EFAFB233-063F-42B5-8137-9DF3F51BA10A}">
+      <p15:sldGuideLst xmlns:p15="http://schemas.microsoft.com/office/powerpoint/2012/main"/>
+    </p:ext>
+  </p:extLst>
 </p:presentation>
-</file>
-
-<file path=ppt/revisionInfo.xml><?xml version="1.0" encoding="utf-8"?>
-<p1510:revInfo xmlns:a="http://schemas.openxmlformats.org/drawingml/2006/main" xmlns:r="http://schemas.openxmlformats.org/officeDocument/2006/relationships" xmlns:p1510="http://schemas.microsoft.com/office/powerpoint/2015/10/main">
-  <p1510:revLst>
-    <p1510:client id="{A135CE82-719E-492A-AF95-DD505DE343F9}" v="25" dt="2023-01-12T21:46:41.562"/>
-  </p1510:revLst>
-</p1510:revInfo>
 </file>
 
 <file path=ppt/changesInfos/changesInfo1.xml><?xml version="1.0" encoding="utf-8"?>
 <pc:chgInfo xmlns:a="http://schemas.openxmlformats.org/drawingml/2006/main" xmlns:r="http://schemas.openxmlformats.org/officeDocument/2006/relationships" xmlns:ac="http://schemas.microsoft.com/office/drawing/2013/main/command" xmlns:pc="http://schemas.microsoft.com/office/powerpoint/2013/main/command">
+  <pc:docChgLst>
+    <pc:chgData name="Jeremie Desgagne-Bouchard" userId="befeb1e1a66a0338" providerId="LiveId" clId="{3690B5A5-10E2-48AC-819E-CA5556A72AF7}"/>
+    <pc:docChg chg="modSld">
+      <pc:chgData name="Jeremie Desgagne-Bouchard" userId="befeb1e1a66a0338" providerId="LiveId" clId="{3690B5A5-10E2-48AC-819E-CA5556A72AF7}" dt="2023-02-14T04:52:25.369" v="0" actId="790"/>
+      <pc:docMkLst>
+        <pc:docMk/>
+      </pc:docMkLst>
+      <pc:sldChg chg="modSp mod">
+        <pc:chgData name="Jeremie Desgagne-Bouchard" userId="befeb1e1a66a0338" providerId="LiveId" clId="{3690B5A5-10E2-48AC-819E-CA5556A72AF7}" dt="2023-02-14T04:52:25.369" v="0" actId="790"/>
+        <pc:sldMkLst>
+          <pc:docMk/>
+          <pc:sldMk cId="2871672128" sldId="257"/>
+        </pc:sldMkLst>
+        <pc:spChg chg="mod">
+          <ac:chgData name="Jeremie Desgagne-Bouchard" userId="befeb1e1a66a0338" providerId="LiveId" clId="{3690B5A5-10E2-48AC-819E-CA5556A72AF7}" dt="2023-02-14T04:52:25.369" v="0" actId="790"/>
+          <ac:spMkLst>
+            <pc:docMk/>
+            <pc:sldMk cId="2871672128" sldId="257"/>
+            <ac:spMk id="6" creationId="{281EC5F3-1690-2F79-269A-372397A567AA}"/>
+          </ac:spMkLst>
+        </pc:spChg>
+      </pc:sldChg>
+    </pc:docChg>
+  </pc:docChgLst>
   <pc:docChgLst>
     <pc:chgData name="Jeremie Desgagne-Bouchard" userId="befeb1e1a66a0338" providerId="LiveId" clId="{A135CE82-719E-492A-AF95-DD505DE343F9}"/>
     <pc:docChg chg="undo custSel addSld delSld modSld">
@@ -612,7 +633,7 @@
           <a:p>
             <a:fld id="{78ABAFC5-C27C-4106-8455-BC52BB25C681}" type="datetimeFigureOut">
               <a:rPr lang="en-CA" smtClean="0"/>
-              <a:t>2023-01-12</a:t>
+              <a:t>2023-02-13</a:t>
             </a:fld>
             <a:endParaRPr lang="en-CA"/>
           </a:p>
@@ -812,7 +833,7 @@
           <a:p>
             <a:fld id="{78ABAFC5-C27C-4106-8455-BC52BB25C681}" type="datetimeFigureOut">
               <a:rPr lang="en-CA" smtClean="0"/>
-              <a:t>2023-01-12</a:t>
+              <a:t>2023-02-13</a:t>
             </a:fld>
             <a:endParaRPr lang="en-CA"/>
           </a:p>
@@ -1022,7 +1043,7 @@
           <a:p>
             <a:fld id="{78ABAFC5-C27C-4106-8455-BC52BB25C681}" type="datetimeFigureOut">
               <a:rPr lang="en-CA" smtClean="0"/>
-              <a:t>2023-01-12</a:t>
+              <a:t>2023-02-13</a:t>
             </a:fld>
             <a:endParaRPr lang="en-CA"/>
           </a:p>
@@ -1222,7 +1243,7 @@
           <a:p>
             <a:fld id="{78ABAFC5-C27C-4106-8455-BC52BB25C681}" type="datetimeFigureOut">
               <a:rPr lang="en-CA" smtClean="0"/>
-              <a:t>2023-01-12</a:t>
+              <a:t>2023-02-13</a:t>
             </a:fld>
             <a:endParaRPr lang="en-CA"/>
           </a:p>
@@ -1498,7 +1519,7 @@
           <a:p>
             <a:fld id="{78ABAFC5-C27C-4106-8455-BC52BB25C681}" type="datetimeFigureOut">
               <a:rPr lang="en-CA" smtClean="0"/>
-              <a:t>2023-01-12</a:t>
+              <a:t>2023-02-13</a:t>
             </a:fld>
             <a:endParaRPr lang="en-CA"/>
           </a:p>
@@ -1766,7 +1787,7 @@
           <a:p>
             <a:fld id="{78ABAFC5-C27C-4106-8455-BC52BB25C681}" type="datetimeFigureOut">
               <a:rPr lang="en-CA" smtClean="0"/>
-              <a:t>2023-01-12</a:t>
+              <a:t>2023-02-13</a:t>
             </a:fld>
             <a:endParaRPr lang="en-CA"/>
           </a:p>
@@ -2181,7 +2202,7 @@
           <a:p>
             <a:fld id="{78ABAFC5-C27C-4106-8455-BC52BB25C681}" type="datetimeFigureOut">
               <a:rPr lang="en-CA" smtClean="0"/>
-              <a:t>2023-01-12</a:t>
+              <a:t>2023-02-13</a:t>
             </a:fld>
             <a:endParaRPr lang="en-CA"/>
           </a:p>
@@ -2323,7 +2344,7 @@
           <a:p>
             <a:fld id="{78ABAFC5-C27C-4106-8455-BC52BB25C681}" type="datetimeFigureOut">
               <a:rPr lang="en-CA" smtClean="0"/>
-              <a:t>2023-01-12</a:t>
+              <a:t>2023-02-13</a:t>
             </a:fld>
             <a:endParaRPr lang="en-CA"/>
           </a:p>
@@ -2436,7 +2457,7 @@
           <a:p>
             <a:fld id="{78ABAFC5-C27C-4106-8455-BC52BB25C681}" type="datetimeFigureOut">
               <a:rPr lang="en-CA" smtClean="0"/>
-              <a:t>2023-01-12</a:t>
+              <a:t>2023-02-13</a:t>
             </a:fld>
             <a:endParaRPr lang="en-CA"/>
           </a:p>
@@ -2749,7 +2770,7 @@
           <a:p>
             <a:fld id="{78ABAFC5-C27C-4106-8455-BC52BB25C681}" type="datetimeFigureOut">
               <a:rPr lang="en-CA" smtClean="0"/>
-              <a:t>2023-01-12</a:t>
+              <a:t>2023-02-13</a:t>
             </a:fld>
             <a:endParaRPr lang="en-CA"/>
           </a:p>
@@ -3038,7 +3059,7 @@
           <a:p>
             <a:fld id="{78ABAFC5-C27C-4106-8455-BC52BB25C681}" type="datetimeFigureOut">
               <a:rPr lang="en-CA" smtClean="0"/>
-              <a:t>2023-01-12</a:t>
+              <a:t>2023-02-13</a:t>
             </a:fld>
             <a:endParaRPr lang="en-CA"/>
           </a:p>
@@ -3281,7 +3302,7 @@
           <a:p>
             <a:fld id="{78ABAFC5-C27C-4106-8455-BC52BB25C681}" type="datetimeFigureOut">
               <a:rPr lang="en-CA" smtClean="0"/>
-              <a:t>2023-01-12</a:t>
+              <a:t>2023-02-13</a:t>
             </a:fld>
             <a:endParaRPr lang="en-CA"/>
           </a:p>
@@ -3947,7 +3968,7 @@
               <a:t>h3 = </a:t>
             </a:r>
             <a:r>
-              <a:rPr lang="fr-CA" sz="1200" dirty="0" err="1">
+              <a:rPr lang="en-CA" sz="1200" dirty="0">
                 <a:solidFill>
                   <a:schemeClr val="tx1"/>
                 </a:solidFill>
